--- a/outputs/data_analytics.pptx
+++ b/outputs/data_analytics.pptx
@@ -10468,11 +10468,24 @@
             <a:pPr algn="ctr"/>
             <a:r>
               <a:rPr lang="pt-BR" sz="1286" b="1" dirty="0">
+                <a:solidFill>
+                  <a:schemeClr val="tx2">
+                    <a:lumMod val="60000"/>
+                    <a:lumOff val="40000"/>
+                  </a:schemeClr>
+                </a:solidFill>
                 <a:hlinkClick r:id="rId2"/>
               </a:rPr>
-              <a:t>https://github.com/felipeAguiarCode/prompts-recipe-to-create-a-ebook</a:t>
-            </a:r>
-            <a:endParaRPr lang="pt-BR" sz="1286" b="1" dirty="0"/>
+              <a:t>https://github.com/JacksonvBarbosa/ebook_data_analytic_ia</a:t>
+            </a:r>
+            <a:endParaRPr lang="pt-BR" sz="1286" b="1" dirty="0">
+              <a:solidFill>
+                <a:schemeClr val="tx2">
+                  <a:lumMod val="60000"/>
+                  <a:lumOff val="40000"/>
+                </a:schemeClr>
+              </a:solidFill>
+            </a:endParaRPr>
           </a:p>
         </p:txBody>
       </p:sp>
